--- a/CSS3.pptx
+++ b/CSS3.pptx
@@ -7478,7 +7478,7 @@
             </a:r>
             <a:r>
               <a:rPr lang="it-IT" altLang="it-IT" sz="1000" i="1" dirty="0" smtClean="0"/>
-              <a:t>220505</a:t>
+              <a:t>220510</a:t>
             </a:r>
             <a:endParaRPr lang="it-IT" altLang="it-IT" sz="1000" i="1" dirty="0"/>
           </a:p>
@@ -9642,11 +9642,7 @@
             </a:r>
             <a:r>
               <a:rPr lang="it-IT" sz="1846" dirty="0"/>
-              <a:t> (pica = 12 punti) </a:t>
-            </a:r>
-            <a:r>
-              <a:rPr lang="it-IT" sz="1846" dirty="0"/>
-              <a:t>e </a:t>
+              <a:t> (pica = 12 punti) e </a:t>
             </a:r>
             <a:r>
               <a:rPr lang="it-IT" sz="1846" b="1" dirty="0" err="1"/>
@@ -9664,7 +9660,6 @@
               <a:rPr lang="it-IT" sz="1846" dirty="0"/>
               <a:t>al dispositivo). </a:t>
             </a:r>
-            <a:endParaRPr lang="it-IT" sz="1846" dirty="0"/>
           </a:p>
           <a:p>
             <a:pPr lvl="1" eaLnBrk="1" hangingPunct="1">
@@ -19247,7 +19242,7 @@
               <a:t>Il contenitore del layout, o </a:t>
             </a:r>
             <a:r>
-              <a:rPr lang="it-IT" dirty="0" err="1" smtClean="0"/>
+              <a:rPr lang="it-IT" i="1" dirty="0" err="1" smtClean="0"/>
               <a:t>flex</a:t>
             </a:r>
             <a:r>
@@ -19266,7 +19261,7 @@
               <a:t>Gli elementi disposti nel layout, o </a:t>
             </a:r>
             <a:r>
-              <a:rPr lang="it-IT" dirty="0" err="1" smtClean="0"/>
+              <a:rPr lang="it-IT" i="1" dirty="0" err="1" smtClean="0"/>
               <a:t>flex</a:t>
             </a:r>
             <a:r>
@@ -19406,13 +19401,16 @@
             </a:r>
             <a:r>
               <a:rPr lang="it-IT" dirty="0" smtClean="0"/>
-              <a:t>: </a:t>
-            </a:r>
-            <a:r>
-              <a:rPr lang="it-IT" dirty="0" err="1" smtClean="0"/>
+              <a:t/>
+            </a:r>
+            <a:br>
+              <a:rPr lang="it-IT" dirty="0" smtClean="0"/>
+            </a:br>
+            <a:r>
+              <a:rPr lang="it-IT" sz="2000" dirty="0" err="1" smtClean="0"/>
               <a:t>contanier</a:t>
             </a:r>
-            <a:endParaRPr lang="it-IT" dirty="0"/>
+            <a:endParaRPr lang="it-IT" sz="1800" dirty="0"/>
           </a:p>
         </p:txBody>
       </p:sp>
@@ -19763,13 +19761,16 @@
             </a:r>
             <a:r>
               <a:rPr lang="it-IT" dirty="0" smtClean="0"/>
-              <a:t>: </a:t>
-            </a:r>
-            <a:r>
-              <a:rPr lang="it-IT" dirty="0" err="1" smtClean="0"/>
+              <a:t/>
+            </a:r>
+            <a:br>
+              <a:rPr lang="it-IT" dirty="0" smtClean="0"/>
+            </a:br>
+            <a:r>
+              <a:rPr lang="it-IT" sz="2000" dirty="0" err="1" smtClean="0"/>
               <a:t>contanier</a:t>
             </a:r>
-            <a:endParaRPr lang="it-IT" dirty="0"/>
+            <a:endParaRPr lang="it-IT" sz="1800" dirty="0"/>
           </a:p>
         </p:txBody>
       </p:sp>
@@ -19795,11 +19796,19 @@
               <a:t>Per configurare come i </a:t>
             </a:r>
             <a:r>
-              <a:rPr lang="it-IT" dirty="0" err="1"/>
-              <a:t>flex-items</a:t>
-            </a:r>
-            <a:r>
-              <a:rPr lang="it-IT" dirty="0"/>
+              <a:rPr lang="it-IT" dirty="0" err="1" smtClean="0"/>
+              <a:t>flex</a:t>
+            </a:r>
+            <a:r>
+              <a:rPr lang="it-IT" dirty="0" smtClean="0"/>
+              <a:t> </a:t>
+            </a:r>
+            <a:r>
+              <a:rPr lang="it-IT" dirty="0" err="1" smtClean="0"/>
+              <a:t>items</a:t>
+            </a:r>
+            <a:r>
+              <a:rPr lang="it-IT" dirty="0" smtClean="0"/>
               <a:t> </a:t>
             </a:r>
             <a:r>
@@ -20358,9 +20367,16 @@
             </a:r>
             <a:r>
               <a:rPr lang="it-IT" dirty="0" smtClean="0"/>
-              <a:t>: item</a:t>
-            </a:r>
-            <a:endParaRPr lang="it-IT" dirty="0"/>
+              <a:t/>
+            </a:r>
+            <a:br>
+              <a:rPr lang="it-IT" dirty="0" smtClean="0"/>
+            </a:br>
+            <a:r>
+              <a:rPr lang="it-IT" sz="2000" dirty="0" smtClean="0"/>
+              <a:t>item</a:t>
+            </a:r>
+            <a:endParaRPr lang="it-IT" sz="1800" dirty="0"/>
           </a:p>
         </p:txBody>
       </p:sp>
@@ -20740,7 +20756,7 @@
           <a:p>
             <a:r>
               <a:rPr lang="it-IT" dirty="0" smtClean="0"/>
-              <a:t>I CSS </a:t>
+              <a:t>I </a:t>
             </a:r>
             <a:r>
               <a:rPr lang="it-IT" dirty="0" err="1" smtClean="0"/>
@@ -20748,7 +20764,19 @@
             </a:r>
             <a:r>
               <a:rPr lang="it-IT" dirty="0" smtClean="0"/>
-              <a:t> sono una specifica avanzata che permette di </a:t>
+              <a:t> </a:t>
+            </a:r>
+            <a:r>
+              <a:rPr lang="it-IT" dirty="0" smtClean="0"/>
+              <a:t>sono una </a:t>
+            </a:r>
+            <a:r>
+              <a:rPr lang="it-IT" dirty="0" smtClean="0"/>
+              <a:t>funzionalità CSS avanzata </a:t>
+            </a:r>
+            <a:r>
+              <a:rPr lang="it-IT" dirty="0" smtClean="0"/>
+              <a:t>che permette di </a:t>
             </a:r>
             <a:r>
               <a:rPr lang="it-IT" b="1" dirty="0" smtClean="0"/>
@@ -20760,7 +20788,15 @@
             </a:r>
             <a:r>
               <a:rPr lang="it-IT" b="1" dirty="0" smtClean="0"/>
-              <a:t>e distribuirvi sopra del contenuto</a:t>
+              <a:t>e distribuirvi </a:t>
+            </a:r>
+            <a:r>
+              <a:rPr lang="it-IT" b="1" dirty="0" smtClean="0"/>
+              <a:t>del </a:t>
+            </a:r>
+            <a:r>
+              <a:rPr lang="it-IT" b="1" dirty="0" smtClean="0"/>
+              <a:t>contenuto</a:t>
             </a:r>
             <a:r>
               <a:rPr lang="it-IT" dirty="0" smtClean="0"/>
@@ -20794,13 +20830,34 @@
           <a:p>
             <a:r>
               <a:rPr lang="it-IT" i="1" dirty="0" smtClean="0"/>
-              <a:t>Tuttavia, si tratta di una specifica ancora in fase di stabilizzazione, e non è ancora consigliabile adottarla.</a:t>
-            </a:r>
-          </a:p>
-          <a:p>
-            <a:r>
-              <a:rPr lang="it-IT" dirty="0" smtClean="0"/>
-              <a:t>In una CSS </a:t>
+              <a:t>Tuttavia, si tratta di una specifica </a:t>
+            </a:r>
+            <a:r>
+              <a:rPr lang="it-IT" i="1" dirty="0" smtClean="0"/>
+              <a:t>in </a:t>
+            </a:r>
+            <a:r>
+              <a:rPr lang="it-IT" i="1" dirty="0" smtClean="0"/>
+              <a:t>fase di stabilizzazione, e non è ancora </a:t>
+            </a:r>
+            <a:r>
+              <a:rPr lang="it-IT" i="1" dirty="0" smtClean="0"/>
+              <a:t>sicuro adottarla, ad esempio, per realizzare layout al posto della soluzione </a:t>
+            </a:r>
+            <a:r>
+              <a:rPr lang="it-IT" i="1" dirty="0" err="1" smtClean="0"/>
+              <a:t>flexbox</a:t>
+            </a:r>
+            <a:r>
+              <a:rPr lang="it-IT" i="1" dirty="0" smtClean="0"/>
+              <a:t>.</a:t>
+            </a:r>
+            <a:endParaRPr lang="it-IT" i="1" dirty="0" smtClean="0"/>
+          </a:p>
+          <a:p>
+            <a:r>
+              <a:rPr lang="it-IT" dirty="0" smtClean="0"/>
+              <a:t>In una </a:t>
             </a:r>
             <a:r>
               <a:rPr lang="it-IT" dirty="0" err="1" smtClean="0"/>
@@ -20808,7 +20865,11 @@
             </a:r>
             <a:r>
               <a:rPr lang="it-IT" dirty="0" smtClean="0"/>
-              <a:t>, si configura per prima cosa un </a:t>
+              <a:t> </a:t>
+            </a:r>
+            <a:r>
+              <a:rPr lang="it-IT" dirty="0" smtClean="0"/>
+              <a:t>si configura per prima cosa un </a:t>
             </a:r>
             <a:r>
               <a:rPr lang="it-IT" i="1" dirty="0" smtClean="0"/>
@@ -20833,19 +20894,23 @@
               <a:t>Gli elementi interni al </a:t>
             </a:r>
             <a:r>
-              <a:rPr lang="it-IT" dirty="0" err="1" smtClean="0"/>
-              <a:t>grid</a:t>
-            </a:r>
-            <a:r>
-              <a:rPr lang="it-IT" dirty="0" smtClean="0"/>
-              <a:t> container (</a:t>
-            </a:r>
-            <a:r>
               <a:rPr lang="it-IT" i="1" dirty="0" err="1" smtClean="0"/>
               <a:t>grid</a:t>
             </a:r>
             <a:r>
               <a:rPr lang="it-IT" i="1" dirty="0" smtClean="0"/>
+              <a:t> container </a:t>
+            </a:r>
+            <a:r>
+              <a:rPr lang="it-IT" dirty="0" smtClean="0"/>
+              <a:t>(</a:t>
+            </a:r>
+            <a:r>
+              <a:rPr lang="it-IT" i="1" dirty="0" err="1" smtClean="0"/>
+              <a:t>grid</a:t>
+            </a:r>
+            <a:r>
+              <a:rPr lang="it-IT" i="1" dirty="0" smtClean="0"/>
               <a:t> </a:t>
             </a:r>
             <a:r>
@@ -20854,7 +20919,23 @@
             </a:r>
             <a:r>
               <a:rPr lang="it-IT" dirty="0" smtClean="0"/>
-              <a:t>) andranno ad occupare gli spazi della griglia in base alle direttive ad essi associate, o automaticamente. In quest’ultimo caso, gli elementi si distribuiranno naturalmente, nell’ordine dato, cercando di occupare tutte le celle, riga per riga.</a:t>
+              <a:t>) andranno ad occupare gli spazi della griglia in base alle direttive ad essi associate, o </a:t>
+            </a:r>
+            <a:r>
+              <a:rPr lang="it-IT" dirty="0" smtClean="0"/>
+              <a:t>automaticamente. </a:t>
+            </a:r>
+            <a:r>
+              <a:rPr lang="it-IT" dirty="0" smtClean="0"/>
+              <a:t>In quest’ultimo caso, </a:t>
+            </a:r>
+            <a:r>
+              <a:rPr lang="it-IT" i="1" dirty="0" smtClean="0"/>
+              <a:t>gli elementi si distribuiranno naturalmente, nell’ordine dato, cercando di occupare tutte le celle, riga per riga</a:t>
+            </a:r>
+            <a:r>
+              <a:rPr lang="it-IT" dirty="0" smtClean="0"/>
+              <a:t>.</a:t>
             </a:r>
           </a:p>
           <a:p>
@@ -21047,9 +21128,20 @@
             </a:r>
             <a:r>
               <a:rPr lang="it-IT" dirty="0" smtClean="0"/>
-              <a:t>: container, righe e colonne</a:t>
-            </a:r>
-            <a:endParaRPr lang="it-IT" dirty="0"/>
+              <a:t/>
+            </a:r>
+            <a:br>
+              <a:rPr lang="it-IT" dirty="0" smtClean="0"/>
+            </a:br>
+            <a:r>
+              <a:rPr lang="it-IT" sz="2000" dirty="0" smtClean="0"/>
+              <a:t>righe </a:t>
+            </a:r>
+            <a:r>
+              <a:rPr lang="it-IT" sz="2000" dirty="0" smtClean="0"/>
+              <a:t>e colonne</a:t>
+            </a:r>
+            <a:endParaRPr lang="it-IT" sz="2000" dirty="0"/>
           </a:p>
         </p:txBody>
       </p:sp>
@@ -21066,7 +21158,7 @@
         <p:spPr/>
         <p:txBody>
           <a:bodyPr>
-            <a:normAutofit fontScale="77500" lnSpcReduction="20000"/>
+            <a:normAutofit fontScale="85000" lnSpcReduction="20000"/>
           </a:bodyPr>
           <a:lstStyle/>
           <a:p>
@@ -21150,10 +21242,15 @@
             </a:r>
             <a:r>
               <a:rPr lang="it-IT" dirty="0" smtClean="0"/>
-              <a:t>: 25% 100px auto;</a:t>
-            </a:r>
-          </a:p>
-          <a:p>
+              <a:t>: 25% 100px </a:t>
+            </a:r>
+            <a:r>
+              <a:rPr lang="it-IT" dirty="0" smtClean="0"/>
+              <a:t>auto;</a:t>
+            </a:r>
+          </a:p>
+          <a:p>
+            <a:pPr lvl="1"/>
             <a:r>
               <a:rPr lang="it-IT" dirty="0" smtClean="0"/>
               <a:t>Definisce una griglia con quattro colonne (di cui la prima prenderà tutto lo spazio che “avanza”) e tre righe.</a:t>
@@ -21162,8 +21259,12 @@
           <a:p>
             <a:pPr lvl="1"/>
             <a:r>
+              <a:rPr lang="it-IT" dirty="0" smtClean="0"/>
+              <a:t>Se </a:t>
+            </a:r>
+            <a:r>
               <a:rPr lang="it-IT" dirty="0"/>
-              <a:t>Se in un </a:t>
+              <a:t>in un </a:t>
             </a:r>
             <a:r>
               <a:rPr lang="it-IT" dirty="0" err="1"/>
@@ -21726,18 +21827,21 @@
           <a:lstStyle/>
           <a:p>
             <a:r>
-              <a:rPr lang="it-IT" dirty="0" err="1"/>
+              <a:rPr lang="it-IT" dirty="0" err="1" smtClean="0"/>
               <a:t>Grids</a:t>
             </a:r>
             <a:r>
-              <a:rPr lang="it-IT" dirty="0"/>
-              <a:t>: container, </a:t>
-            </a:r>
-            <a:r>
-              <a:rPr lang="it-IT" dirty="0" smtClean="0"/>
+              <a:rPr lang="it-IT" dirty="0" smtClean="0"/>
+              <a:t/>
+            </a:r>
+            <a:br>
+              <a:rPr lang="it-IT" dirty="0" smtClean="0"/>
+            </a:br>
+            <a:r>
+              <a:rPr lang="it-IT" sz="2000" dirty="0" smtClean="0"/>
               <a:t>aree</a:t>
             </a:r>
-            <a:endParaRPr lang="it-IT" dirty="0"/>
+            <a:endParaRPr lang="it-IT" sz="1800" dirty="0"/>
           </a:p>
         </p:txBody>
       </p:sp>
@@ -21771,12 +21875,8 @@
               <a:t>(sempre dopo averle definite con le due proprietà </a:t>
             </a:r>
             <a:r>
-              <a:rPr lang="it-IT" b="1" dirty="0" err="1"/>
-              <a:t>grid-</a:t>
-            </a:r>
-            <a:r>
               <a:rPr lang="it-IT" dirty="0" err="1"/>
-              <a:t>template-rows</a:t>
+              <a:t>grid-template-rows</a:t>
             </a:r>
             <a:r>
               <a:rPr lang="it-IT" dirty="0"/>
@@ -22105,18 +22205,21 @@
           <a:lstStyle/>
           <a:p>
             <a:r>
-              <a:rPr lang="it-IT" dirty="0" err="1"/>
+              <a:rPr lang="it-IT" dirty="0" err="1" smtClean="0"/>
               <a:t>Grids</a:t>
             </a:r>
             <a:r>
-              <a:rPr lang="it-IT" dirty="0"/>
-              <a:t>: container, </a:t>
-            </a:r>
-            <a:r>
-              <a:rPr lang="it-IT" dirty="0" smtClean="0"/>
-              <a:t>righe, colonne e aree</a:t>
-            </a:r>
-            <a:endParaRPr lang="it-IT" dirty="0"/>
+              <a:rPr lang="it-IT" dirty="0" smtClean="0"/>
+              <a:t/>
+            </a:r>
+            <a:br>
+              <a:rPr lang="it-IT" dirty="0" smtClean="0"/>
+            </a:br>
+            <a:r>
+              <a:rPr lang="it-IT" sz="2000" dirty="0" err="1" smtClean="0"/>
+              <a:t>template</a:t>
+            </a:r>
+            <a:endParaRPr lang="it-IT" sz="1800" dirty="0"/>
           </a:p>
         </p:txBody>
       </p:sp>
@@ -22486,9 +22589,16 @@
             </a:r>
             <a:r>
               <a:rPr lang="it-IT" dirty="0" smtClean="0"/>
-              <a:t>: container, allineamento</a:t>
-            </a:r>
-            <a:endParaRPr lang="it-IT" dirty="0"/>
+              <a:t/>
+            </a:r>
+            <a:br>
+              <a:rPr lang="it-IT" dirty="0" smtClean="0"/>
+            </a:br>
+            <a:r>
+              <a:rPr lang="it-IT" sz="2000" dirty="0" smtClean="0"/>
+              <a:t>allineamento</a:t>
+            </a:r>
+            <a:endParaRPr lang="it-IT" sz="1800" dirty="0"/>
           </a:p>
         </p:txBody>
       </p:sp>
@@ -22511,11 +22621,15 @@
           <a:p>
             <a:r>
               <a:rPr lang="it-IT" dirty="0"/>
-              <a:t>Per configurare come i </a:t>
-            </a:r>
-            <a:r>
-              <a:rPr lang="it-IT" dirty="0" smtClean="0"/>
-              <a:t>il contenuto inserito nelle celle si allineerà rispetto ai bordi delle stesse </a:t>
+              <a:t>Per configurare come </a:t>
+            </a:r>
+            <a:r>
+              <a:rPr lang="it-IT" dirty="0" smtClean="0"/>
+              <a:t>il </a:t>
+            </a:r>
+            <a:r>
+              <a:rPr lang="it-IT" dirty="0" smtClean="0"/>
+              <a:t>contenuto inserito nelle celle si allineerà rispetto ai bordi delle stesse </a:t>
             </a:r>
             <a:r>
               <a:rPr lang="it-IT" dirty="0"/>
@@ -22853,9 +22967,16 @@
             </a:r>
             <a:r>
               <a:rPr lang="it-IT" dirty="0" smtClean="0"/>
-              <a:t>: item, disposizione</a:t>
-            </a:r>
-            <a:endParaRPr lang="it-IT" dirty="0"/>
+              <a:t/>
+            </a:r>
+            <a:br>
+              <a:rPr lang="it-IT" dirty="0" smtClean="0"/>
+            </a:br>
+            <a:r>
+              <a:rPr lang="it-IT" sz="2000" dirty="0" err="1" smtClean="0"/>
+              <a:t>items</a:t>
+            </a:r>
+            <a:endParaRPr lang="it-IT" sz="1800" dirty="0"/>
           </a:p>
         </p:txBody>
       </p:sp>
@@ -22878,13 +22999,38 @@
           <a:p>
             <a:r>
               <a:rPr lang="it-IT" dirty="0" smtClean="0"/>
-              <a:t>E’ possibile specificare con dettaglio in quale cella (o celle) dovrà essere disposto ciascun item.</a:t>
-            </a:r>
-          </a:p>
-          <a:p>
-            <a:r>
-              <a:rPr lang="it-IT" dirty="0" smtClean="0"/>
-              <a:t>La prima modalità di disposizione fa riferimento ai bordi delle righe delle colonne definite tramite </a:t>
+              <a:t>E’ possibile specificare </a:t>
+            </a:r>
+            <a:r>
+              <a:rPr lang="it-IT" dirty="0" smtClean="0"/>
+              <a:t>in </a:t>
+            </a:r>
+            <a:r>
+              <a:rPr lang="it-IT" dirty="0" smtClean="0"/>
+              <a:t>quale cella (o celle) dovrà essere disposto ciascun </a:t>
+            </a:r>
+            <a:r>
+              <a:rPr lang="it-IT" dirty="0" smtClean="0"/>
+              <a:t>item, invece che lasciare che questo sia disposto in base all’ordine naturale.</a:t>
+            </a:r>
+            <a:endParaRPr lang="it-IT" dirty="0" smtClean="0"/>
+          </a:p>
+          <a:p>
+            <a:r>
+              <a:rPr lang="it-IT" dirty="0" smtClean="0"/>
+              <a:t>La prima modalità di disposizione fa riferimento ai bordi delle righe </a:t>
+            </a:r>
+            <a:r>
+              <a:rPr lang="it-IT" dirty="0" smtClean="0"/>
+              <a:t>e delle </a:t>
+            </a:r>
+            <a:r>
+              <a:rPr lang="it-IT" dirty="0" smtClean="0"/>
+              <a:t>colonne </a:t>
+            </a:r>
+            <a:r>
+              <a:rPr lang="it-IT" dirty="0" smtClean="0"/>
+              <a:t>(definite da </a:t>
             </a:r>
             <a:r>
               <a:rPr lang="it-IT" dirty="0" err="1" smtClean="0"/>
@@ -22899,8 +23045,8 @@
               <a:t>grid-template-columns</a:t>
             </a:r>
             <a:r>
-              <a:rPr lang="it-IT" dirty="0"/>
-              <a:t> </a:t>
+              <a:rPr lang="it-IT" dirty="0" smtClean="0"/>
+              <a:t>) </a:t>
             </a:r>
             <a:r>
               <a:rPr lang="it-IT" dirty="0" smtClean="0"/>
@@ -22970,6 +23116,11 @@
               <a:rPr lang="it-IT" b="1" dirty="0" smtClean="0"/>
               <a:t>-end</a:t>
             </a:r>
+            <a:r>
+              <a:rPr lang="it-IT" dirty="0" smtClean="0"/>
+              <a:t>, ad esempio</a:t>
+            </a:r>
+            <a:endParaRPr lang="it-IT" dirty="0" smtClean="0"/>
           </a:p>
           <a:p>
             <a:pPr marL="527552" lvl="1" indent="0">
@@ -23678,21 +23829,21 @@
           <a:lstStyle/>
           <a:p>
             <a:r>
-              <a:rPr lang="it-IT" dirty="0" err="1"/>
+              <a:rPr lang="it-IT" dirty="0" err="1" smtClean="0"/>
               <a:t>Grids</a:t>
             </a:r>
             <a:r>
-              <a:rPr lang="it-IT" dirty="0"/>
-              <a:t>: </a:t>
-            </a:r>
-            <a:r>
-              <a:rPr lang="it-IT" dirty="0" smtClean="0"/>
-              <a:t>item, </a:t>
-            </a:r>
-            <a:r>
-              <a:rPr lang="it-IT" dirty="0"/>
-              <a:t>disposizione</a:t>
-            </a:r>
+              <a:rPr lang="it-IT" dirty="0" smtClean="0"/>
+              <a:t/>
+            </a:r>
+            <a:br>
+              <a:rPr lang="it-IT" dirty="0" smtClean="0"/>
+            </a:br>
+            <a:r>
+              <a:rPr lang="it-IT" sz="2000" dirty="0" err="1" smtClean="0"/>
+              <a:t>items</a:t>
+            </a:r>
+            <a:endParaRPr lang="it-IT" sz="1800" dirty="0"/>
           </a:p>
         </p:txBody>
       </p:sp>
@@ -23715,7 +23866,23 @@
           <a:p>
             <a:r>
               <a:rPr lang="it-IT" dirty="0" smtClean="0"/>
-              <a:t>La  seconda modalità di disposizione fa </a:t>
+              <a:t>La  seconda modalità di </a:t>
+            </a:r>
+            <a:r>
+              <a:rPr lang="it-IT" dirty="0" smtClean="0"/>
+              <a:t>disposizione degli item in una </a:t>
+            </a:r>
+            <a:r>
+              <a:rPr lang="it-IT" dirty="0" err="1" smtClean="0"/>
+              <a:t>grid</a:t>
+            </a:r>
+            <a:r>
+              <a:rPr lang="it-IT" dirty="0" smtClean="0"/>
+              <a:t> </a:t>
+            </a:r>
+            <a:r>
+              <a:rPr lang="it-IT" dirty="0" smtClean="0"/>
+              <a:t>fa </a:t>
             </a:r>
             <a:r>
               <a:rPr lang="it-IT" dirty="0"/>
@@ -23726,8 +23893,8 @@
               <a:t>aree definite </a:t>
             </a:r>
             <a:r>
-              <a:rPr lang="it-IT" dirty="0"/>
-              <a:t>tramite </a:t>
+              <a:rPr lang="it-IT" dirty="0" smtClean="0"/>
+              <a:t>con </a:t>
             </a:r>
             <a:r>
               <a:rPr lang="it-IT" dirty="0" err="1" smtClean="0"/>
@@ -23735,7 +23902,15 @@
             </a:r>
             <a:r>
               <a:rPr lang="it-IT" dirty="0" smtClean="0"/>
-              <a:t> con la proprietà </a:t>
+              <a:t> </a:t>
+            </a:r>
+            <a:r>
+              <a:rPr lang="it-IT" dirty="0" smtClean="0"/>
+              <a:t>tramite </a:t>
+            </a:r>
+            <a:r>
+              <a:rPr lang="it-IT" dirty="0" smtClean="0"/>
+              <a:t>la proprietà </a:t>
             </a:r>
             <a:r>
               <a:rPr lang="it-IT" b="1" dirty="0" err="1" smtClean="0"/>
@@ -23747,7 +23922,7 @@
             </a:r>
             <a:r>
               <a:rPr lang="it-IT" dirty="0" smtClean="0"/>
-              <a:t>:</a:t>
+              <a:t>, ad esempio</a:t>
             </a:r>
             <a:endParaRPr lang="it-IT" dirty="0"/>
           </a:p>
@@ -24081,7 +24256,7 @@
         <p:spPr/>
         <p:txBody>
           <a:bodyPr>
-            <a:normAutofit lnSpcReduction="10000"/>
+            <a:normAutofit/>
           </a:bodyPr>
           <a:lstStyle/>
           <a:p>
@@ -24314,25 +24489,13 @@
             </a:r>
           </a:p>
           <a:p>
-            <a:pPr marL="0" lvl="1" indent="0" algn="ctr">
+            <a:pPr marL="253293" lvl="1" indent="0">
               <a:buNone/>
               <a:defRPr/>
             </a:pPr>
             <a:r>
-              <a:rPr lang="it-IT" dirty="0" err="1" smtClean="0"/>
-              <a:t>@media</a:t>
-            </a:r>
-            <a:r>
-              <a:rPr lang="it-IT" dirty="0" smtClean="0"/>
-              <a:t> </a:t>
-            </a:r>
-            <a:r>
-              <a:rPr lang="it-IT" dirty="0" err="1" smtClean="0"/>
-              <a:t>screen</a:t>
-            </a:r>
-            <a:r>
-              <a:rPr lang="it-IT" dirty="0" smtClean="0"/>
-              <a:t> and (</a:t>
+              <a:rPr lang="it-IT" dirty="0" smtClean="0"/>
+              <a:t>@media screen and (</a:t>
             </a:r>
             <a:r>
               <a:rPr lang="it-IT" dirty="0" err="1" smtClean="0"/>
@@ -24340,18 +24503,7 @@
             </a:r>
             <a:r>
               <a:rPr lang="it-IT" dirty="0" smtClean="0"/>
-              <a:t>: 300px), </a:t>
-            </a:r>
-            <a:br>
-              <a:rPr lang="it-IT" dirty="0" smtClean="0"/>
-            </a:br>
-            <a:r>
-              <a:rPr lang="it-IT" dirty="0" err="1" smtClean="0"/>
-              <a:t>screen</a:t>
-            </a:r>
-            <a:r>
-              <a:rPr lang="it-IT" dirty="0" smtClean="0"/>
-              <a:t> and (</a:t>
+              <a:t>: 300px), screen and (</a:t>
             </a:r>
             <a:r>
               <a:rPr lang="it-IT" dirty="0" err="1" smtClean="0"/>
@@ -24371,36 +24523,13 @@
             </a:r>
           </a:p>
           <a:p>
-            <a:pPr eaLnBrk="1" hangingPunct="1">
+            <a:pPr lvl="1">
               <a:defRPr/>
             </a:pPr>
             <a:r>
               <a:rPr lang="it-IT" dirty="0" smtClean="0"/>
-              <a:t>Un’interessante libreria di supporto (da provare!) utilizza javascript per rendere disponibili le media </a:t>
-            </a:r>
-            <a:r>
-              <a:rPr lang="it-IT" dirty="0" err="1" smtClean="0"/>
-              <a:t>queries</a:t>
-            </a:r>
-            <a:r>
-              <a:rPr lang="it-IT" dirty="0" smtClean="0"/>
-              <a:t> anche nei browser più datati: </a:t>
-            </a:r>
-            <a:r>
-              <a:rPr lang="it-IT" dirty="0" smtClean="0">
-                <a:hlinkClick r:id="rId2"/>
-              </a:rPr>
-              <a:t>http://code.google.com/p/css3-mediaqueries-js/</a:t>
-            </a:r>
-            <a:r>
-              <a:rPr lang="it-IT" dirty="0" smtClean="0"/>
-              <a:t> </a:t>
-            </a:r>
-          </a:p>
-          <a:p>
-            <a:pPr lvl="1" eaLnBrk="1" hangingPunct="1">
-              <a:defRPr/>
-            </a:pPr>
+              <a:t>Questa media query è vera se stiamo visualizzando su schermo e la dimensione orizzontale è almeno 300 pixel oppure l’orientamento dello schermo è orizzontale.</a:t>
+            </a:r>
             <a:endParaRPr lang="it-IT" dirty="0" smtClean="0"/>
           </a:p>
           <a:p>
@@ -24723,92 +24852,317 @@
           <a:lstStyle/>
           <a:p>
             <a:r>
-              <a:rPr lang="it-IT" smtClean="0"/>
+              <a:rPr lang="it-IT" dirty="0" smtClean="0"/>
               <a:t>Responsive Design</a:t>
             </a:r>
             <a:br>
-              <a:rPr lang="it-IT" smtClean="0"/>
+              <a:rPr lang="it-IT" dirty="0" smtClean="0"/>
             </a:br>
             <a:r>
-              <a:rPr lang="it-IT" smtClean="0"/>
-              <a:t>Esempio</a:t>
+              <a:rPr lang="it-IT" sz="2000" dirty="0" err="1" smtClean="0"/>
+              <a:t>Breakpoints</a:t>
+            </a:r>
+            <a:endParaRPr lang="it-IT" sz="2000" dirty="0" smtClean="0"/>
+          </a:p>
+        </p:txBody>
+      </p:sp>
+      <p:sp>
+        <p:nvSpPr>
+          <p:cNvPr id="50179" name="Segnaposto contenuto 2"/>
+          <p:cNvSpPr>
+            <a:spLocks noGrp="1"/>
+          </p:cNvSpPr>
+          <p:nvPr>
+            <p:ph idx="1"/>
+          </p:nvPr>
+        </p:nvSpPr>
+        <p:spPr/>
+        <p:txBody>
+          <a:bodyPr/>
+          <a:lstStyle/>
+          <a:p>
+            <a:r>
+              <a:rPr lang="it-IT" dirty="0" smtClean="0"/>
+              <a:t>I cosiddetti </a:t>
+            </a:r>
+            <a:r>
+              <a:rPr lang="it-IT" i="1" dirty="0" smtClean="0"/>
+              <a:t>responsive </a:t>
+            </a:r>
+            <a:r>
+              <a:rPr lang="it-IT" i="1" dirty="0" err="1" smtClean="0"/>
+              <a:t>breakpoints</a:t>
+            </a:r>
+            <a:r>
+              <a:rPr lang="it-IT" i="1" dirty="0" smtClean="0"/>
+              <a:t> </a:t>
+            </a:r>
+            <a:r>
+              <a:rPr lang="it-IT" dirty="0" smtClean="0"/>
+              <a:t>sono i valori limite di certe proprietà (tipicamente l’ampiezza del </a:t>
+            </a:r>
+            <a:r>
+              <a:rPr lang="it-IT" i="1" dirty="0" err="1" smtClean="0"/>
+              <a:t>viewport</a:t>
+            </a:r>
+            <a:r>
+              <a:rPr lang="it-IT" dirty="0" smtClean="0"/>
+              <a:t>) al di sotto e al di sopra dei quali intervengono le media </a:t>
+            </a:r>
+            <a:r>
+              <a:rPr lang="it-IT" dirty="0" err="1" smtClean="0"/>
+              <a:t>queries</a:t>
+            </a:r>
+            <a:r>
+              <a:rPr lang="it-IT" dirty="0"/>
+              <a:t> </a:t>
+            </a:r>
+            <a:r>
+              <a:rPr lang="it-IT" dirty="0" smtClean="0"/>
+              <a:t>a modificare la struttura visiva del sito. </a:t>
+            </a:r>
+            <a:r>
+              <a:rPr lang="it-IT" dirty="0" smtClean="0"/>
+              <a:t>Ad esempio:</a:t>
+            </a:r>
+          </a:p>
+          <a:p>
+            <a:r>
+              <a:rPr lang="it-IT" dirty="0" smtClean="0"/>
+              <a:t>Default (browser </a:t>
+            </a:r>
+            <a:r>
+              <a:rPr lang="it-IT" dirty="0" smtClean="0"/>
+              <a:t>“normali</a:t>
+            </a:r>
+            <a:r>
+              <a:rPr lang="it-IT" dirty="0" smtClean="0"/>
+              <a:t>”)</a:t>
             </a:r>
             <a:endParaRPr lang="it-IT" dirty="0" smtClean="0"/>
           </a:p>
-        </p:txBody>
-      </p:sp>
-      <p:sp>
-        <p:nvSpPr>
-          <p:cNvPr id="50179" name="Segnaposto contenuto 2"/>
-          <p:cNvSpPr>
-            <a:spLocks noGrp="1"/>
-          </p:cNvSpPr>
-          <p:nvPr>
-            <p:ph idx="1"/>
-          </p:nvPr>
-        </p:nvSpPr>
-        <p:spPr/>
-        <p:txBody>
-          <a:bodyPr/>
-          <a:lstStyle/>
-          <a:p>
-            <a:r>
-              <a:rPr lang="it-IT" smtClean="0"/>
-              <a:t>Per i browser “normali”</a:t>
-            </a:r>
-          </a:p>
           <a:p>
             <a:pPr lvl="1"/>
             <a:r>
-              <a:rPr lang="it-IT" smtClean="0"/>
-              <a:t>Design liquido, con ampiezze percentuali (possibilmente anche per le immagini). Un design liquido rende il layout robusto anche per i dispositivi che non supportano ancora le media queries.</a:t>
-            </a:r>
-          </a:p>
-          <a:p>
-            <a:r>
-              <a:rPr lang="it-IT" smtClean="0"/>
-              <a:t>Per i tablet: </a:t>
-            </a:r>
+              <a:rPr lang="it-IT" dirty="0" smtClean="0"/>
+              <a:t>Si usa un design </a:t>
+            </a:r>
+            <a:r>
+              <a:rPr lang="it-IT" dirty="0" smtClean="0"/>
+              <a:t>liquido, con ampiezze percentuali (possibilmente anche per le immagini). Un design liquido rende il layout robusto anche per i dispositivi che non supportano ancora le media </a:t>
+            </a:r>
+            <a:r>
+              <a:rPr lang="it-IT" dirty="0" err="1" smtClean="0"/>
+              <a:t>queries</a:t>
+            </a:r>
+            <a:r>
+              <a:rPr lang="it-IT" dirty="0" smtClean="0"/>
+              <a:t>.</a:t>
+            </a:r>
+          </a:p>
+          <a:p>
+            <a:r>
+              <a:rPr lang="it-IT" dirty="0" err="1" smtClean="0"/>
+              <a:t>Viewport</a:t>
+            </a:r>
+            <a:r>
+              <a:rPr lang="it-IT" dirty="0" smtClean="0"/>
+              <a:t> da 768 a 959 </a:t>
+            </a:r>
+            <a:r>
+              <a:rPr lang="it-IT" dirty="0"/>
+              <a:t>p</a:t>
+            </a:r>
+            <a:r>
+              <a:rPr lang="it-IT" dirty="0" smtClean="0"/>
+              <a:t>ixel (</a:t>
+            </a:r>
+            <a:r>
+              <a:rPr lang="it-IT" dirty="0" err="1" smtClean="0"/>
+              <a:t>tablet</a:t>
+            </a:r>
+            <a:r>
+              <a:rPr lang="it-IT" dirty="0" smtClean="0"/>
+              <a:t>): </a:t>
+            </a:r>
+            <a:endParaRPr lang="it-IT" dirty="0" smtClean="0"/>
           </a:p>
           <a:p>
             <a:pPr lvl="2"/>
             <a:r>
-              <a:rPr lang="it-IT" smtClean="0"/>
-              <a:t>Ad esempio: @media only screen and (min-width: 768px) and (max-width: 959px)</a:t>
+              <a:rPr lang="it-IT" dirty="0" smtClean="0"/>
+              <a:t>@</a:t>
+            </a:r>
+            <a:r>
+              <a:rPr lang="it-IT" dirty="0" smtClean="0"/>
+              <a:t>media </a:t>
+            </a:r>
+            <a:r>
+              <a:rPr lang="it-IT" dirty="0" err="1" smtClean="0"/>
+              <a:t>only</a:t>
+            </a:r>
+            <a:r>
+              <a:rPr lang="it-IT" dirty="0" smtClean="0"/>
+              <a:t> screen and (</a:t>
+            </a:r>
+            <a:r>
+              <a:rPr lang="it-IT" dirty="0" err="1" smtClean="0"/>
+              <a:t>min-width</a:t>
+            </a:r>
+            <a:r>
+              <a:rPr lang="it-IT" dirty="0" smtClean="0"/>
+              <a:t>: 768px) and (</a:t>
+            </a:r>
+            <a:r>
+              <a:rPr lang="it-IT" dirty="0" err="1" smtClean="0"/>
+              <a:t>max-width</a:t>
+            </a:r>
+            <a:r>
+              <a:rPr lang="it-IT" dirty="0" smtClean="0"/>
+              <a:t>: 959px)</a:t>
             </a:r>
           </a:p>
           <a:p>
             <a:pPr lvl="1"/>
             <a:r>
-              <a:rPr lang="it-IT" smtClean="0"/>
-              <a:t>Eliminare padding e spaziature “creative”, diminuire leggermente la dimensione del carattere, ecc.</a:t>
-            </a:r>
-          </a:p>
-          <a:p>
-            <a:r>
-              <a:rPr lang="it-IT" smtClean="0"/>
-              <a:t>Per i cellulari:</a:t>
-            </a:r>
+              <a:rPr lang="it-IT" dirty="0" smtClean="0"/>
+              <a:t>Si eliminano </a:t>
+            </a:r>
+            <a:r>
+              <a:rPr lang="it-IT" dirty="0" err="1" smtClean="0"/>
+              <a:t>padding</a:t>
+            </a:r>
+            <a:r>
+              <a:rPr lang="it-IT" dirty="0" smtClean="0"/>
+              <a:t> e spaziature “creative”, </a:t>
+            </a:r>
+            <a:r>
+              <a:rPr lang="it-IT" dirty="0" smtClean="0"/>
+              <a:t>si diminuisce </a:t>
+            </a:r>
+            <a:r>
+              <a:rPr lang="it-IT" dirty="0" smtClean="0"/>
+              <a:t>leggermente la dimensione del carattere, ecc.</a:t>
+            </a:r>
+          </a:p>
+          <a:p>
+            <a:r>
+              <a:rPr lang="it-IT" dirty="0" err="1" smtClean="0"/>
+              <a:t>Viewport</a:t>
+            </a:r>
+            <a:r>
+              <a:rPr lang="it-IT" dirty="0" smtClean="0"/>
+              <a:t> più piccolo di 768  pixel (</a:t>
+            </a:r>
+            <a:r>
+              <a:rPr lang="it-IT" dirty="0" smtClean="0"/>
+              <a:t>cellulari):</a:t>
+            </a:r>
+            <a:endParaRPr lang="it-IT" dirty="0" smtClean="0"/>
           </a:p>
           <a:p>
             <a:pPr lvl="2"/>
             <a:r>
-              <a:rPr lang="it-IT" smtClean="0"/>
-              <a:t>Ad esempio: @media only screen and (max-width: 767px)</a:t>
+              <a:rPr lang="it-IT" dirty="0" smtClean="0"/>
+              <a:t>@</a:t>
+            </a:r>
+            <a:r>
+              <a:rPr lang="it-IT" dirty="0" smtClean="0"/>
+              <a:t>media </a:t>
+            </a:r>
+            <a:r>
+              <a:rPr lang="it-IT" dirty="0" err="1" smtClean="0"/>
+              <a:t>only</a:t>
+            </a:r>
+            <a:r>
+              <a:rPr lang="it-IT" dirty="0" smtClean="0"/>
+              <a:t> screen and (</a:t>
+            </a:r>
+            <a:r>
+              <a:rPr lang="it-IT" dirty="0" err="1" smtClean="0"/>
+              <a:t>max-width</a:t>
+            </a:r>
+            <a:r>
+              <a:rPr lang="it-IT" dirty="0" smtClean="0"/>
+              <a:t>: 767px)</a:t>
             </a:r>
           </a:p>
           <a:p>
             <a:pPr lvl="1"/>
             <a:r>
-              <a:rPr lang="it-IT" smtClean="0"/>
-              <a:t>Design “fixed”, ad esempio di 320 pixel, oppure inserire una min-width sugli elementi principali per evitare che si riducano troppo.</a:t>
+              <a:rPr lang="it-IT" dirty="0" smtClean="0"/>
+              <a:t>Si usa un </a:t>
+            </a:r>
+            <a:r>
+              <a:rPr lang="it-IT" dirty="0" smtClean="0"/>
+              <a:t>“</a:t>
+            </a:r>
+            <a:r>
+              <a:rPr lang="it-IT" dirty="0" err="1" smtClean="0"/>
+              <a:t>fixed</a:t>
+            </a:r>
+            <a:r>
+              <a:rPr lang="it-IT" dirty="0" smtClean="0"/>
+              <a:t>”, ad esempio di 320 pixel, oppure </a:t>
+            </a:r>
+            <a:r>
+              <a:rPr lang="it-IT" dirty="0" smtClean="0"/>
+              <a:t>si inserisce </a:t>
+            </a:r>
+            <a:r>
+              <a:rPr lang="it-IT" dirty="0" smtClean="0"/>
+              <a:t>una </a:t>
+            </a:r>
+            <a:r>
+              <a:rPr lang="it-IT" dirty="0" err="1" smtClean="0"/>
+              <a:t>min-width</a:t>
+            </a:r>
+            <a:r>
+              <a:rPr lang="it-IT" dirty="0" smtClean="0"/>
+              <a:t> sugli elementi principali per evitare che si riducano troppo.</a:t>
             </a:r>
           </a:p>
           <a:p>
             <a:pPr lvl="1"/>
             <a:r>
-              <a:rPr lang="it-IT" smtClean="0"/>
-              <a:t>Eliminare le colonne linearizzandone il contenuto, nascondere gli elementi secondari (parte di header e footer, ecc.), mostrare menu più compatti.</a:t>
+              <a:rPr lang="it-IT" dirty="0" smtClean="0"/>
+              <a:t>Si eliminano </a:t>
+            </a:r>
+            <a:r>
+              <a:rPr lang="it-IT" dirty="0" smtClean="0"/>
+              <a:t>le colonne linearizzandone il contenuto, </a:t>
+            </a:r>
+            <a:r>
+              <a:rPr lang="it-IT" dirty="0" smtClean="0"/>
+              <a:t>si nascondono </a:t>
+            </a:r>
+            <a:r>
+              <a:rPr lang="it-IT" dirty="0" smtClean="0"/>
+              <a:t>gli elementi secondari (parte di </a:t>
+            </a:r>
+            <a:r>
+              <a:rPr lang="it-IT" dirty="0" err="1" smtClean="0"/>
+              <a:t>header</a:t>
+            </a:r>
+            <a:r>
+              <a:rPr lang="it-IT" dirty="0" smtClean="0"/>
+              <a:t> e </a:t>
+            </a:r>
+            <a:r>
+              <a:rPr lang="it-IT" dirty="0" err="1" smtClean="0"/>
+              <a:t>footer</a:t>
+            </a:r>
+            <a:r>
+              <a:rPr lang="it-IT" dirty="0" smtClean="0"/>
+              <a:t>, ecc.), </a:t>
+            </a:r>
+            <a:r>
+              <a:rPr lang="it-IT" dirty="0" smtClean="0"/>
+              <a:t>si mostrano </a:t>
+            </a:r>
+            <a:r>
+              <a:rPr lang="it-IT" dirty="0" smtClean="0"/>
+              <a:t>menu più compatti.</a:t>
             </a:r>
           </a:p>
           <a:p>
@@ -28502,16 +28856,29 @@
           <a:lstStyle/>
           <a:p>
             <a:r>
-              <a:rPr lang="it-IT" altLang="it-IT" smtClean="0"/>
-              <a:t>Un Layout Tabulare con i Flexbox</a:t>
+              <a:rPr lang="it-IT" altLang="it-IT" dirty="0" smtClean="0"/>
+              <a:t>Un Layout Tabulare con i </a:t>
+            </a:r>
+            <a:r>
+              <a:rPr lang="it-IT" altLang="it-IT" dirty="0" err="1" smtClean="0"/>
+              <a:t>Flexbox</a:t>
+            </a:r>
+            <a:r>
+              <a:rPr lang="it-IT" altLang="it-IT" dirty="0" smtClean="0"/>
+              <a:t/>
             </a:r>
             <a:br>
-              <a:rPr lang="it-IT" altLang="it-IT" smtClean="0"/>
+              <a:rPr lang="it-IT" altLang="it-IT" dirty="0" smtClean="0"/>
             </a:br>
             <a:r>
-              <a:rPr lang="it-IT" altLang="it-IT" smtClean="0"/>
-              <a:t>Media queries</a:t>
-            </a:r>
+              <a:rPr lang="it-IT" altLang="it-IT" sz="2000" dirty="0" smtClean="0"/>
+              <a:t>Media </a:t>
+            </a:r>
+            <a:r>
+              <a:rPr lang="it-IT" altLang="it-IT" sz="2000" dirty="0" err="1" smtClean="0"/>
+              <a:t>queries</a:t>
+            </a:r>
+            <a:endParaRPr lang="it-IT" altLang="it-IT" sz="2000" dirty="0" smtClean="0"/>
           </a:p>
         </p:txBody>
       </p:sp>
@@ -28869,7 +29236,7 @@
         <p:spPr/>
         <p:txBody>
           <a:bodyPr>
-            <a:normAutofit fontScale="92500" lnSpcReduction="10000"/>
+            <a:normAutofit lnSpcReduction="10000"/>
           </a:bodyPr>
           <a:lstStyle/>
           <a:p>
@@ -28939,23 +29306,7 @@
               <a:rPr lang="it-IT" sz="1846" dirty="0"/>
               <a:t>. Questo si può ottenere inserendo all’inizio del foglio di stile una specifica come la seguente. </a:t>
             </a:r>
-            <a:br>
-              <a:rPr lang="it-IT" sz="1846" dirty="0"/>
-            </a:br>
-            <a:r>
-              <a:rPr lang="it-IT" sz="1292" dirty="0"/>
-              <a:t>(</a:t>
-            </a:r>
-            <a:r>
-              <a:rPr lang="it-IT" sz="1292" dirty="0">
-                <a:hlinkClick r:id="rId2"/>
-              </a:rPr>
-              <a:t>http://meyerweb.com/eric/tools/css/reset/</a:t>
-            </a:r>
-            <a:r>
-              <a:rPr lang="it-IT" sz="1292" dirty="0"/>
-              <a:t>)</a:t>
-            </a:r>
+            <a:endParaRPr lang="it-IT" sz="1292" dirty="0"/>
           </a:p>
           <a:p>
             <a:pPr eaLnBrk="1" hangingPunct="1">

--- a/CSS3.pptx
+++ b/CSS3.pptx
@@ -17742,7 +17742,9 @@
         </p:nvSpPr>
         <p:spPr/>
         <p:txBody>
-          <a:bodyPr/>
+          <a:bodyPr>
+            <a:normAutofit/>
+          </a:bodyPr>
           <a:lstStyle/>
           <a:p>
             <a:r>
@@ -17833,8 +17835,163 @@
             <a:pPr lvl="1"/>
             <a:r>
               <a:rPr lang="it-IT" dirty="0" smtClean="0"/>
-              <a:t>Impostano le dimensioni minime o massime dell’elemento.</a:t>
-            </a:r>
+              <a:t>Impostano le dimensioni minime o massime dell’elemento</a:t>
+            </a:r>
+            <a:r>
+              <a:rPr lang="it-IT" dirty="0" smtClean="0"/>
+              <a:t>.</a:t>
+            </a:r>
+          </a:p>
+          <a:p>
+            <a:r>
+              <a:rPr lang="it-IT" dirty="0" smtClean="0"/>
+              <a:t>box-</a:t>
+            </a:r>
+            <a:r>
+              <a:rPr lang="it-IT" dirty="0" err="1" smtClean="0"/>
+              <a:t>sizing</a:t>
+            </a:r>
+            <a:endParaRPr lang="it-IT" dirty="0" smtClean="0"/>
+          </a:p>
+          <a:p>
+            <a:pPr lvl="1"/>
+            <a:r>
+              <a:rPr lang="it-IT" dirty="0" smtClean="0"/>
+              <a:t>Valori: </a:t>
+            </a:r>
+            <a:r>
+              <a:rPr lang="it-IT" dirty="0" err="1" smtClean="0"/>
+              <a:t>content</a:t>
+            </a:r>
+            <a:r>
+              <a:rPr lang="it-IT" dirty="0" smtClean="0"/>
+              <a:t>-box | </a:t>
+            </a:r>
+            <a:r>
+              <a:rPr lang="it-IT" dirty="0" err="1" smtClean="0"/>
+              <a:t>border</a:t>
+            </a:r>
+            <a:r>
+              <a:rPr lang="it-IT" dirty="0" smtClean="0"/>
+              <a:t>-box</a:t>
+            </a:r>
+          </a:p>
+          <a:p>
+            <a:pPr lvl="1"/>
+            <a:r>
+              <a:rPr lang="it-IT" dirty="0" smtClean="0"/>
+              <a:t>Determina come l’ampiezza e l’altezza dell’elemento sono effettivamente calcolate, prendendo o meno in considerazione il </a:t>
+            </a:r>
+            <a:r>
+              <a:rPr lang="it-IT" dirty="0" err="1" smtClean="0"/>
+              <a:t>padding</a:t>
+            </a:r>
+            <a:r>
+              <a:rPr lang="it-IT" dirty="0" smtClean="0"/>
+              <a:t> e lo spessore del bordo.</a:t>
+            </a:r>
+          </a:p>
+          <a:p>
+            <a:pPr lvl="1"/>
+            <a:r>
+              <a:rPr lang="it-IT" dirty="0" smtClean="0"/>
+              <a:t>Nella modalità </a:t>
+            </a:r>
+            <a:r>
+              <a:rPr lang="it-IT" b="1" dirty="0" err="1" smtClean="0"/>
+              <a:t>content</a:t>
+            </a:r>
+            <a:r>
+              <a:rPr lang="it-IT" b="1" dirty="0" smtClean="0"/>
+              <a:t>-box</a:t>
+            </a:r>
+            <a:r>
+              <a:rPr lang="it-IT" i="1" dirty="0" smtClean="0"/>
+              <a:t> </a:t>
+            </a:r>
+            <a:r>
+              <a:rPr lang="it-IT" dirty="0" smtClean="0"/>
+              <a:t>(default), i valori assegnati a </a:t>
+            </a:r>
+            <a:r>
+              <a:rPr lang="it-IT" dirty="0" err="1" smtClean="0"/>
+              <a:t>width</a:t>
+            </a:r>
+            <a:r>
+              <a:rPr lang="it-IT" dirty="0" smtClean="0"/>
+              <a:t> e </a:t>
+            </a:r>
+            <a:r>
+              <a:rPr lang="it-IT" dirty="0" err="1" smtClean="0"/>
+              <a:t>height</a:t>
+            </a:r>
+            <a:r>
+              <a:rPr lang="it-IT" dirty="0" smtClean="0"/>
+              <a:t> sono applicati al solo spazio interno disponibile per i contenuti, quindi il </a:t>
+            </a:r>
+            <a:r>
+              <a:rPr lang="it-IT" dirty="0" err="1" smtClean="0"/>
+              <a:t>padding</a:t>
+            </a:r>
+            <a:r>
+              <a:rPr lang="it-IT" dirty="0" smtClean="0"/>
+              <a:t> e il bordo incrementano tali dimensioni, rendendo spesso a tutti gli effetti il box più grande di quanto impostato.</a:t>
+            </a:r>
+          </a:p>
+          <a:p>
+            <a:pPr lvl="1"/>
+            <a:r>
+              <a:rPr lang="it-IT" dirty="0" smtClean="0"/>
+              <a:t>Al contrario, in modalità </a:t>
+            </a:r>
+            <a:r>
+              <a:rPr lang="it-IT" b="1" dirty="0" err="1" smtClean="0"/>
+              <a:t>border</a:t>
+            </a:r>
+            <a:r>
+              <a:rPr lang="it-IT" b="1" dirty="0" smtClean="0"/>
+              <a:t>-box</a:t>
+            </a:r>
+            <a:r>
+              <a:rPr lang="it-IT" i="1" dirty="0" smtClean="0"/>
+              <a:t> </a:t>
+            </a:r>
+            <a:r>
+              <a:rPr lang="it-IT" dirty="0" smtClean="0"/>
+              <a:t>i valori assegnati a </a:t>
+            </a:r>
+            <a:r>
+              <a:rPr lang="it-IT" dirty="0" err="1" smtClean="0"/>
+              <a:t>width</a:t>
+            </a:r>
+            <a:r>
+              <a:rPr lang="it-IT" dirty="0" smtClean="0"/>
+              <a:t> e </a:t>
+            </a:r>
+            <a:r>
+              <a:rPr lang="it-IT" dirty="0" err="1" smtClean="0"/>
+              <a:t>height</a:t>
+            </a:r>
+            <a:r>
+              <a:rPr lang="it-IT" dirty="0" smtClean="0"/>
+              <a:t> determineranno sempre le effettive dimensioni finali del box: in altre parole, tali dimensioni saranno distribuite tra bordo, </a:t>
+            </a:r>
+            <a:r>
+              <a:rPr lang="it-IT" dirty="0" err="1" smtClean="0"/>
+              <a:t>padding</a:t>
+            </a:r>
+            <a:r>
+              <a:rPr lang="it-IT" dirty="0" smtClean="0"/>
+              <a:t> e spazio interno. </a:t>
+            </a:r>
+            <a:r>
+              <a:rPr lang="it-IT" i="1" dirty="0" smtClean="0"/>
+              <a:t>Solitamente questa modalità è quella più utile quando gli elementi devono essere posizionati in modo preciso tra loro.</a:t>
+            </a:r>
+            <a:endParaRPr lang="it-IT" i="1" dirty="0" smtClean="0"/>
+          </a:p>
+          <a:p>
+            <a:endParaRPr lang="it-IT" dirty="0" smtClean="0"/>
           </a:p>
         </p:txBody>
       </p:sp>
@@ -19809,11 +19966,7 @@
             </a:r>
             <a:r>
               <a:rPr lang="it-IT" dirty="0" smtClean="0"/>
-              <a:t> </a:t>
-            </a:r>
-            <a:r>
-              <a:rPr lang="it-IT" dirty="0" smtClean="0"/>
-              <a:t>si </a:t>
+              <a:t> si </a:t>
             </a:r>
             <a:r>
               <a:rPr lang="it-IT" b="1" dirty="0" smtClean="0"/>
@@ -20764,19 +20917,7 @@
             </a:r>
             <a:r>
               <a:rPr lang="it-IT" dirty="0" smtClean="0"/>
-              <a:t> </a:t>
-            </a:r>
-            <a:r>
-              <a:rPr lang="it-IT" dirty="0" smtClean="0"/>
-              <a:t>sono una </a:t>
-            </a:r>
-            <a:r>
-              <a:rPr lang="it-IT" dirty="0" smtClean="0"/>
-              <a:t>funzionalità CSS avanzata </a:t>
-            </a:r>
-            <a:r>
-              <a:rPr lang="it-IT" dirty="0" smtClean="0"/>
-              <a:t>che permette di </a:t>
+              <a:t> sono una funzionalità CSS avanzata che permette di </a:t>
             </a:r>
             <a:r>
               <a:rPr lang="it-IT" b="1" dirty="0" smtClean="0"/>
@@ -20788,15 +20929,7 @@
             </a:r>
             <a:r>
               <a:rPr lang="it-IT" b="1" dirty="0" smtClean="0"/>
-              <a:t>e distribuirvi </a:t>
-            </a:r>
-            <a:r>
-              <a:rPr lang="it-IT" b="1" dirty="0" smtClean="0"/>
-              <a:t>del </a:t>
-            </a:r>
-            <a:r>
-              <a:rPr lang="it-IT" b="1" dirty="0" smtClean="0"/>
-              <a:t>contenuto</a:t>
+              <a:t>e distribuirvi del contenuto</a:t>
             </a:r>
             <a:r>
               <a:rPr lang="it-IT" dirty="0" smtClean="0"/>
@@ -20830,19 +20963,7 @@
           <a:p>
             <a:r>
               <a:rPr lang="it-IT" i="1" dirty="0" smtClean="0"/>
-              <a:t>Tuttavia, si tratta di una specifica </a:t>
-            </a:r>
-            <a:r>
-              <a:rPr lang="it-IT" i="1" dirty="0" smtClean="0"/>
-              <a:t>in </a:t>
-            </a:r>
-            <a:r>
-              <a:rPr lang="it-IT" i="1" dirty="0" smtClean="0"/>
-              <a:t>fase di stabilizzazione, e non è ancora </a:t>
-            </a:r>
-            <a:r>
-              <a:rPr lang="it-IT" i="1" dirty="0" smtClean="0"/>
-              <a:t>sicuro adottarla, ad esempio, per realizzare layout al posto della soluzione </a:t>
+              <a:t>Tuttavia, si tratta di una specifica in fase di stabilizzazione, e non è ancora sicuro adottarla, ad esempio, per realizzare layout al posto della soluzione </a:t>
             </a:r>
             <a:r>
               <a:rPr lang="it-IT" i="1" dirty="0" err="1" smtClean="0"/>
@@ -20852,7 +20973,6 @@
               <a:rPr lang="it-IT" i="1" dirty="0" smtClean="0"/>
               <a:t>.</a:t>
             </a:r>
-            <a:endParaRPr lang="it-IT" i="1" dirty="0" smtClean="0"/>
           </a:p>
           <a:p>
             <a:r>
@@ -20865,11 +20985,7 @@
             </a:r>
             <a:r>
               <a:rPr lang="it-IT" dirty="0" smtClean="0"/>
-              <a:t> </a:t>
-            </a:r>
-            <a:r>
-              <a:rPr lang="it-IT" dirty="0" smtClean="0"/>
-              <a:t>si configura per prima cosa un </a:t>
+              <a:t> si configura per prima cosa un </a:t>
             </a:r>
             <a:r>
               <a:rPr lang="it-IT" i="1" dirty="0" smtClean="0"/>
@@ -20919,15 +21035,7 @@
             </a:r>
             <a:r>
               <a:rPr lang="it-IT" dirty="0" smtClean="0"/>
-              <a:t>) andranno ad occupare gli spazi della griglia in base alle direttive ad essi associate, o </a:t>
-            </a:r>
-            <a:r>
-              <a:rPr lang="it-IT" dirty="0" smtClean="0"/>
-              <a:t>automaticamente. </a:t>
-            </a:r>
-            <a:r>
-              <a:rPr lang="it-IT" dirty="0" smtClean="0"/>
-              <a:t>In quest’ultimo caso, </a:t>
+              <a:t>) andranno ad occupare gli spazi della griglia in base alle direttive ad essi associate, o automaticamente. In quest’ultimo caso, </a:t>
             </a:r>
             <a:r>
               <a:rPr lang="it-IT" i="1" dirty="0" smtClean="0"/>
@@ -21135,11 +21243,7 @@
             </a:br>
             <a:r>
               <a:rPr lang="it-IT" sz="2000" dirty="0" smtClean="0"/>
-              <a:t>righe </a:t>
-            </a:r>
-            <a:r>
-              <a:rPr lang="it-IT" sz="2000" dirty="0" smtClean="0"/>
-              <a:t>e colonne</a:t>
+              <a:t>righe e colonne</a:t>
             </a:r>
             <a:endParaRPr lang="it-IT" sz="2000" dirty="0"/>
           </a:p>
@@ -21242,11 +21346,7 @@
             </a:r>
             <a:r>
               <a:rPr lang="it-IT" dirty="0" smtClean="0"/>
-              <a:t>: 25% 100px </a:t>
-            </a:r>
-            <a:r>
-              <a:rPr lang="it-IT" dirty="0" smtClean="0"/>
-              <a:t>auto;</a:t>
+              <a:t>: 25% 100px auto;</a:t>
             </a:r>
           </a:p>
           <a:p>
@@ -22625,11 +22725,7 @@
             </a:r>
             <a:r>
               <a:rPr lang="it-IT" dirty="0" smtClean="0"/>
-              <a:t>il </a:t>
-            </a:r>
-            <a:r>
-              <a:rPr lang="it-IT" dirty="0" smtClean="0"/>
-              <a:t>contenuto inserito nelle celle si allineerà rispetto ai bordi delle stesse </a:t>
+              <a:t>il contenuto inserito nelle celle si allineerà rispetto ai bordi delle stesse </a:t>
             </a:r>
             <a:r>
               <a:rPr lang="it-IT" dirty="0"/>
@@ -22999,38 +23095,13 @@
           <a:p>
             <a:r>
               <a:rPr lang="it-IT" dirty="0" smtClean="0"/>
-              <a:t>E’ possibile specificare </a:t>
-            </a:r>
-            <a:r>
-              <a:rPr lang="it-IT" dirty="0" smtClean="0"/>
-              <a:t>in </a:t>
-            </a:r>
-            <a:r>
-              <a:rPr lang="it-IT" dirty="0" smtClean="0"/>
-              <a:t>quale cella (o celle) dovrà essere disposto ciascun </a:t>
-            </a:r>
-            <a:r>
-              <a:rPr lang="it-IT" dirty="0" smtClean="0"/>
-              <a:t>item, invece che lasciare che questo sia disposto in base all’ordine naturale.</a:t>
-            </a:r>
-            <a:endParaRPr lang="it-IT" dirty="0" smtClean="0"/>
-          </a:p>
-          <a:p>
-            <a:r>
-              <a:rPr lang="it-IT" dirty="0" smtClean="0"/>
-              <a:t>La prima modalità di disposizione fa riferimento ai bordi delle righe </a:t>
-            </a:r>
-            <a:r>
-              <a:rPr lang="it-IT" dirty="0" smtClean="0"/>
-              <a:t>e delle </a:t>
-            </a:r>
-            <a:r>
-              <a:rPr lang="it-IT" dirty="0" smtClean="0"/>
-              <a:t>colonne </a:t>
-            </a:r>
-            <a:r>
-              <a:rPr lang="it-IT" dirty="0" smtClean="0"/>
-              <a:t>(definite da </a:t>
+              <a:t>E’ possibile specificare in quale cella (o celle) dovrà essere disposto ciascun item, invece che lasciare che questo sia disposto in base all’ordine naturale.</a:t>
+            </a:r>
+          </a:p>
+          <a:p>
+            <a:r>
+              <a:rPr lang="it-IT" dirty="0" smtClean="0"/>
+              <a:t>La prima modalità di disposizione fa riferimento ai bordi delle righe e delle colonne (definite da </a:t>
             </a:r>
             <a:r>
               <a:rPr lang="it-IT" dirty="0" err="1" smtClean="0"/>
@@ -23046,11 +23117,7 @@
             </a:r>
             <a:r>
               <a:rPr lang="it-IT" dirty="0" smtClean="0"/>
-              <a:t>) </a:t>
-            </a:r>
-            <a:r>
-              <a:rPr lang="it-IT" dirty="0" smtClean="0"/>
-              <a:t>tramite le quattro proprietà </a:t>
+              <a:t>) tramite le quattro proprietà </a:t>
             </a:r>
             <a:r>
               <a:rPr lang="it-IT" b="1" dirty="0" err="1" smtClean="0"/>
@@ -23120,7 +23187,6 @@
               <a:rPr lang="it-IT" dirty="0" smtClean="0"/>
               <a:t>, ad esempio</a:t>
             </a:r>
-            <a:endParaRPr lang="it-IT" dirty="0" smtClean="0"/>
           </a:p>
           <a:p>
             <a:pPr marL="527552" lvl="1" indent="0">
@@ -23866,11 +23932,7 @@
           <a:p>
             <a:r>
               <a:rPr lang="it-IT" dirty="0" smtClean="0"/>
-              <a:t>La  seconda modalità di </a:t>
-            </a:r>
-            <a:r>
-              <a:rPr lang="it-IT" dirty="0" smtClean="0"/>
-              <a:t>disposizione degli item in una </a:t>
+              <a:t>La  seconda modalità di disposizione degli item in una </a:t>
             </a:r>
             <a:r>
               <a:rPr lang="it-IT" dirty="0" err="1" smtClean="0"/>
@@ -23878,11 +23940,7 @@
             </a:r>
             <a:r>
               <a:rPr lang="it-IT" dirty="0" smtClean="0"/>
-              <a:t> </a:t>
-            </a:r>
-            <a:r>
-              <a:rPr lang="it-IT" dirty="0" smtClean="0"/>
-              <a:t>fa </a:t>
+              <a:t> fa </a:t>
             </a:r>
             <a:r>
               <a:rPr lang="it-IT" dirty="0"/>
@@ -23890,11 +23948,7 @@
             </a:r>
             <a:r>
               <a:rPr lang="it-IT" dirty="0" smtClean="0"/>
-              <a:t>aree definite </a:t>
-            </a:r>
-            <a:r>
-              <a:rPr lang="it-IT" dirty="0" smtClean="0"/>
-              <a:t>con </a:t>
+              <a:t>aree definite con </a:t>
             </a:r>
             <a:r>
               <a:rPr lang="it-IT" dirty="0" err="1" smtClean="0"/>
@@ -23902,15 +23956,7 @@
             </a:r>
             <a:r>
               <a:rPr lang="it-IT" dirty="0" smtClean="0"/>
-              <a:t> </a:t>
-            </a:r>
-            <a:r>
-              <a:rPr lang="it-IT" dirty="0" smtClean="0"/>
-              <a:t>tramite </a:t>
-            </a:r>
-            <a:r>
-              <a:rPr lang="it-IT" dirty="0" smtClean="0"/>
-              <a:t>la proprietà </a:t>
+              <a:t> tramite la proprietà </a:t>
             </a:r>
             <a:r>
               <a:rPr lang="it-IT" b="1" dirty="0" err="1" smtClean="0"/>
@@ -24530,7 +24576,6 @@
               <a:rPr lang="it-IT" dirty="0" smtClean="0"/>
               <a:t>Questa media query è vera se stiamo visualizzando su schermo e la dimensione orizzontale è almeno 300 pixel oppure l’orientamento dello schermo è orizzontale.</a:t>
             </a:r>
-            <a:endParaRPr lang="it-IT" dirty="0" smtClean="0"/>
           </a:p>
           <a:p>
             <a:pPr lvl="1" eaLnBrk="1" hangingPunct="1">
@@ -24919,37 +24964,20 @@
             </a:r>
             <a:r>
               <a:rPr lang="it-IT" dirty="0" smtClean="0"/>
-              <a:t>a modificare la struttura visiva del sito. </a:t>
-            </a:r>
-            <a:r>
-              <a:rPr lang="it-IT" dirty="0" smtClean="0"/>
-              <a:t>Ad esempio:</a:t>
-            </a:r>
-          </a:p>
-          <a:p>
-            <a:r>
-              <a:rPr lang="it-IT" dirty="0" smtClean="0"/>
-              <a:t>Default (browser </a:t>
-            </a:r>
-            <a:r>
-              <a:rPr lang="it-IT" dirty="0" smtClean="0"/>
-              <a:t>“normali</a:t>
-            </a:r>
-            <a:r>
-              <a:rPr lang="it-IT" dirty="0" smtClean="0"/>
-              <a:t>”)</a:t>
-            </a:r>
-            <a:endParaRPr lang="it-IT" dirty="0" smtClean="0"/>
+              <a:t>a modificare la struttura visiva del sito. Ad esempio:</a:t>
+            </a:r>
+          </a:p>
+          <a:p>
+            <a:r>
+              <a:rPr lang="it-IT" dirty="0" smtClean="0"/>
+              <a:t>Default (browser “normali”)</a:t>
+            </a:r>
           </a:p>
           <a:p>
             <a:pPr lvl="1"/>
             <a:r>
               <a:rPr lang="it-IT" dirty="0" smtClean="0"/>
-              <a:t>Si usa un design </a:t>
-            </a:r>
-            <a:r>
-              <a:rPr lang="it-IT" dirty="0" smtClean="0"/>
-              <a:t>liquido, con ampiezze percentuali (possibilmente anche per le immagini). Un design liquido rende il layout robusto anche per i dispositivi che non supportano ancora le media </a:t>
+              <a:t>Si usa un design liquido, con ampiezze percentuali (possibilmente anche per le immagini). Un design liquido rende il layout robusto anche per i dispositivi che non supportano ancora le media </a:t>
             </a:r>
             <a:r>
               <a:rPr lang="it-IT" dirty="0" err="1" smtClean="0"/>
@@ -24985,17 +25013,12 @@
               <a:rPr lang="it-IT" dirty="0" smtClean="0"/>
               <a:t>): </a:t>
             </a:r>
-            <a:endParaRPr lang="it-IT" dirty="0" smtClean="0"/>
           </a:p>
           <a:p>
             <a:pPr lvl="2"/>
             <a:r>
               <a:rPr lang="it-IT" dirty="0" smtClean="0"/>
-              <a:t>@</a:t>
-            </a:r>
-            <a:r>
-              <a:rPr lang="it-IT" dirty="0" smtClean="0"/>
-              <a:t>media </a:t>
+              <a:t>@media </a:t>
             </a:r>
             <a:r>
               <a:rPr lang="it-IT" dirty="0" err="1" smtClean="0"/>
@@ -25034,15 +25057,7 @@
             </a:r>
             <a:r>
               <a:rPr lang="it-IT" dirty="0" smtClean="0"/>
-              <a:t> e spaziature “creative”, </a:t>
-            </a:r>
-            <a:r>
-              <a:rPr lang="it-IT" dirty="0" smtClean="0"/>
-              <a:t>si diminuisce </a:t>
-            </a:r>
-            <a:r>
-              <a:rPr lang="it-IT" dirty="0" smtClean="0"/>
-              <a:t>leggermente la dimensione del carattere, ecc.</a:t>
+              <a:t> e spaziature “creative”, si diminuisce leggermente la dimensione del carattere, ecc.</a:t>
             </a:r>
           </a:p>
           <a:p>
@@ -25052,23 +25067,14 @@
             </a:r>
             <a:r>
               <a:rPr lang="it-IT" dirty="0" smtClean="0"/>
-              <a:t> più piccolo di 768  pixel (</a:t>
-            </a:r>
-            <a:r>
-              <a:rPr lang="it-IT" dirty="0" smtClean="0"/>
-              <a:t>cellulari):</a:t>
-            </a:r>
-            <a:endParaRPr lang="it-IT" dirty="0" smtClean="0"/>
+              <a:t> più piccolo di 768  pixel (cellulari):</a:t>
+            </a:r>
           </a:p>
           <a:p>
             <a:pPr lvl="2"/>
             <a:r>
               <a:rPr lang="it-IT" dirty="0" smtClean="0"/>
-              <a:t>@</a:t>
-            </a:r>
-            <a:r>
-              <a:rPr lang="it-IT" dirty="0" smtClean="0"/>
-              <a:t>media </a:t>
+              <a:t>@media </a:t>
             </a:r>
             <a:r>
               <a:rPr lang="it-IT" dirty="0" err="1" smtClean="0"/>
@@ -25091,11 +25097,7 @@
             <a:pPr lvl="1"/>
             <a:r>
               <a:rPr lang="it-IT" dirty="0" smtClean="0"/>
-              <a:t>Si usa un </a:t>
-            </a:r>
-            <a:r>
-              <a:rPr lang="it-IT" dirty="0" smtClean="0"/>
-              <a:t>“</a:t>
+              <a:t>Si usa un “</a:t>
             </a:r>
             <a:r>
               <a:rPr lang="it-IT" dirty="0" err="1" smtClean="0"/>
@@ -25103,15 +25105,7 @@
             </a:r>
             <a:r>
               <a:rPr lang="it-IT" dirty="0" smtClean="0"/>
-              <a:t>”, ad esempio di 320 pixel, oppure </a:t>
-            </a:r>
-            <a:r>
-              <a:rPr lang="it-IT" dirty="0" smtClean="0"/>
-              <a:t>si inserisce </a:t>
-            </a:r>
-            <a:r>
-              <a:rPr lang="it-IT" dirty="0" smtClean="0"/>
-              <a:t>una </a:t>
+              <a:t>”, ad esempio di 320 pixel, oppure si inserisce una </a:t>
             </a:r>
             <a:r>
               <a:rPr lang="it-IT" dirty="0" err="1" smtClean="0"/>
@@ -25126,19 +25120,7 @@
             <a:pPr lvl="1"/>
             <a:r>
               <a:rPr lang="it-IT" dirty="0" smtClean="0"/>
-              <a:t>Si eliminano </a:t>
-            </a:r>
-            <a:r>
-              <a:rPr lang="it-IT" dirty="0" smtClean="0"/>
-              <a:t>le colonne linearizzandone il contenuto, </a:t>
-            </a:r>
-            <a:r>
-              <a:rPr lang="it-IT" dirty="0" smtClean="0"/>
-              <a:t>si nascondono </a:t>
-            </a:r>
-            <a:r>
-              <a:rPr lang="it-IT" dirty="0" smtClean="0"/>
-              <a:t>gli elementi secondari (parte di </a:t>
+              <a:t>Si eliminano le colonne linearizzandone il contenuto, si nascondono gli elementi secondari (parte di </a:t>
             </a:r>
             <a:r>
               <a:rPr lang="it-IT" dirty="0" err="1" smtClean="0"/>
@@ -25154,15 +25136,7 @@
             </a:r>
             <a:r>
               <a:rPr lang="it-IT" dirty="0" smtClean="0"/>
-              <a:t>, ecc.), </a:t>
-            </a:r>
-            <a:r>
-              <a:rPr lang="it-IT" dirty="0" smtClean="0"/>
-              <a:t>si mostrano </a:t>
-            </a:r>
-            <a:r>
-              <a:rPr lang="it-IT" dirty="0" smtClean="0"/>
-              <a:t>menu più compatti.</a:t>
+              <a:t>, ecc.), si mostrano menu più compatti.</a:t>
             </a:r>
           </a:p>
           <a:p>
